--- a/outils_numeriques/b1_methodes_numeriques/B1_0_Deroulement.pptx
+++ b/outils_numeriques/b1_methodes_numeriques/B1_0_Deroulement.pptx
@@ -272,7 +272,7 @@
           <a:p>
             <a:fld id="{02AC24A9-CCB6-4F8D-B8DB-C2F3692CFA5A}" type="datetimeFigureOut">
               <a:rPr lang="en-US" smtClean="0"/>
-              <a:t>4/26/2023</a:t>
+              <a:t>5/5/2023</a:t>
             </a:fld>
             <a:endParaRPr lang="en-US" dirty="0"/>
           </a:p>
@@ -642,7 +642,7 @@
           <a:p>
             <a:fld id="{02AC24A9-CCB6-4F8D-B8DB-C2F3692CFA5A}" type="datetimeFigureOut">
               <a:rPr lang="en-US" smtClean="0"/>
-              <a:t>4/26/2023</a:t>
+              <a:t>5/5/2023</a:t>
             </a:fld>
             <a:endParaRPr lang="en-US"/>
           </a:p>
@@ -851,7 +851,7 @@
           <a:p>
             <a:fld id="{02AC24A9-CCB6-4F8D-B8DB-C2F3692CFA5A}" type="datetimeFigureOut">
               <a:rPr lang="en-US" smtClean="0"/>
-              <a:t>4/26/2023</a:t>
+              <a:t>5/5/2023</a:t>
             </a:fld>
             <a:endParaRPr lang="en-US"/>
           </a:p>
@@ -1321,7 +1321,7 @@
           <a:p>
             <a:fld id="{02AC24A9-CCB6-4F8D-B8DB-C2F3692CFA5A}" type="datetimeFigureOut">
               <a:rPr lang="en-US" smtClean="0"/>
-              <a:t>4/26/2023</a:t>
+              <a:t>5/5/2023</a:t>
             </a:fld>
             <a:endParaRPr lang="en-US"/>
           </a:p>
@@ -1775,7 +1775,7 @@
           <a:p>
             <a:fld id="{02AC24A9-CCB6-4F8D-B8DB-C2F3692CFA5A}" type="datetimeFigureOut">
               <a:rPr lang="en-US" smtClean="0"/>
-              <a:t>4/26/2023</a:t>
+              <a:t>5/5/2023</a:t>
             </a:fld>
             <a:endParaRPr lang="en-US"/>
           </a:p>
@@ -2307,7 +2307,7 @@
           <a:p>
             <a:fld id="{02AC24A9-CCB6-4F8D-B8DB-C2F3692CFA5A}" type="datetimeFigureOut">
               <a:rPr lang="en-US" smtClean="0"/>
-              <a:t>4/26/2023</a:t>
+              <a:t>5/5/2023</a:t>
             </a:fld>
             <a:endParaRPr lang="en-US"/>
           </a:p>
@@ -3006,7 +3006,7 @@
           <a:p>
             <a:fld id="{02AC24A9-CCB6-4F8D-B8DB-C2F3692CFA5A}" type="datetimeFigureOut">
               <a:rPr lang="en-US" smtClean="0"/>
-              <a:t>4/26/2023</a:t>
+              <a:t>5/5/2023</a:t>
             </a:fld>
             <a:endParaRPr lang="en-US"/>
           </a:p>
@@ -3335,7 +3335,7 @@
           <a:p>
             <a:fld id="{02AC24A9-CCB6-4F8D-B8DB-C2F3692CFA5A}" type="datetimeFigureOut">
               <a:rPr lang="en-US" smtClean="0"/>
-              <a:t>4/26/2023</a:t>
+              <a:t>5/5/2023</a:t>
             </a:fld>
             <a:endParaRPr lang="en-US"/>
           </a:p>
@@ -3448,7 +3448,7 @@
           <a:p>
             <a:fld id="{02AC24A9-CCB6-4F8D-B8DB-C2F3692CFA5A}" type="datetimeFigureOut">
               <a:rPr lang="en-US" smtClean="0"/>
-              <a:t>4/26/2023</a:t>
+              <a:t>5/5/2023</a:t>
             </a:fld>
             <a:endParaRPr lang="en-US"/>
           </a:p>
@@ -3943,7 +3943,7 @@
           <a:p>
             <a:fld id="{02AC24A9-CCB6-4F8D-B8DB-C2F3692CFA5A}" type="datetimeFigureOut">
               <a:rPr lang="en-US" smtClean="0"/>
-              <a:t>4/26/2023</a:t>
+              <a:t>5/5/2023</a:t>
             </a:fld>
             <a:endParaRPr lang="en-US" dirty="0"/>
           </a:p>
@@ -4420,7 +4420,7 @@
           <a:p>
             <a:fld id="{02AC24A9-CCB6-4F8D-B8DB-C2F3692CFA5A}" type="datetimeFigureOut">
               <a:rPr lang="en-US" smtClean="0"/>
-              <a:t>4/26/2023</a:t>
+              <a:t>5/5/2023</a:t>
             </a:fld>
             <a:endParaRPr lang="en-US"/>
           </a:p>
@@ -4663,7 +4663,7 @@
           <a:p>
             <a:fld id="{02AC24A9-CCB6-4F8D-B8DB-C2F3692CFA5A}" type="datetimeFigureOut">
               <a:rPr lang="en-US" smtClean="0"/>
-              <a:t>4/26/2023</a:t>
+              <a:t>5/5/2023</a:t>
             </a:fld>
             <a:endParaRPr lang="en-US"/>
           </a:p>

--- a/outils_numeriques/b1_methodes_numeriques/B1_0_Deroulement.pptx
+++ b/outils_numeriques/b1_methodes_numeriques/B1_0_Deroulement.pptx
@@ -272,7 +272,7 @@
           <a:p>
             <a:fld id="{02AC24A9-CCB6-4F8D-B8DB-C2F3692CFA5A}" type="datetimeFigureOut">
               <a:rPr lang="en-US" smtClean="0"/>
-              <a:t>5/5/2023</a:t>
+              <a:t>6/21/2023</a:t>
             </a:fld>
             <a:endParaRPr lang="en-US" dirty="0"/>
           </a:p>
@@ -642,7 +642,7 @@
           <a:p>
             <a:fld id="{02AC24A9-CCB6-4F8D-B8DB-C2F3692CFA5A}" type="datetimeFigureOut">
               <a:rPr lang="en-US" smtClean="0"/>
-              <a:t>5/5/2023</a:t>
+              <a:t>6/21/2023</a:t>
             </a:fld>
             <a:endParaRPr lang="en-US"/>
           </a:p>
@@ -851,7 +851,7 @@
           <a:p>
             <a:fld id="{02AC24A9-CCB6-4F8D-B8DB-C2F3692CFA5A}" type="datetimeFigureOut">
               <a:rPr lang="en-US" smtClean="0"/>
-              <a:t>5/5/2023</a:t>
+              <a:t>6/21/2023</a:t>
             </a:fld>
             <a:endParaRPr lang="en-US"/>
           </a:p>
@@ -1321,7 +1321,7 @@
           <a:p>
             <a:fld id="{02AC24A9-CCB6-4F8D-B8DB-C2F3692CFA5A}" type="datetimeFigureOut">
               <a:rPr lang="en-US" smtClean="0"/>
-              <a:t>5/5/2023</a:t>
+              <a:t>6/21/2023</a:t>
             </a:fld>
             <a:endParaRPr lang="en-US"/>
           </a:p>
@@ -1775,7 +1775,7 @@
           <a:p>
             <a:fld id="{02AC24A9-CCB6-4F8D-B8DB-C2F3692CFA5A}" type="datetimeFigureOut">
               <a:rPr lang="en-US" smtClean="0"/>
-              <a:t>5/5/2023</a:t>
+              <a:t>6/21/2023</a:t>
             </a:fld>
             <a:endParaRPr lang="en-US"/>
           </a:p>
@@ -2307,7 +2307,7 @@
           <a:p>
             <a:fld id="{02AC24A9-CCB6-4F8D-B8DB-C2F3692CFA5A}" type="datetimeFigureOut">
               <a:rPr lang="en-US" smtClean="0"/>
-              <a:t>5/5/2023</a:t>
+              <a:t>6/21/2023</a:t>
             </a:fld>
             <a:endParaRPr lang="en-US"/>
           </a:p>
@@ -3006,7 +3006,7 @@
           <a:p>
             <a:fld id="{02AC24A9-CCB6-4F8D-B8DB-C2F3692CFA5A}" type="datetimeFigureOut">
               <a:rPr lang="en-US" smtClean="0"/>
-              <a:t>5/5/2023</a:t>
+              <a:t>6/21/2023</a:t>
             </a:fld>
             <a:endParaRPr lang="en-US"/>
           </a:p>
@@ -3335,7 +3335,7 @@
           <a:p>
             <a:fld id="{02AC24A9-CCB6-4F8D-B8DB-C2F3692CFA5A}" type="datetimeFigureOut">
               <a:rPr lang="en-US" smtClean="0"/>
-              <a:t>5/5/2023</a:t>
+              <a:t>6/21/2023</a:t>
             </a:fld>
             <a:endParaRPr lang="en-US"/>
           </a:p>
@@ -3448,7 +3448,7 @@
           <a:p>
             <a:fld id="{02AC24A9-CCB6-4F8D-B8DB-C2F3692CFA5A}" type="datetimeFigureOut">
               <a:rPr lang="en-US" smtClean="0"/>
-              <a:t>5/5/2023</a:t>
+              <a:t>6/21/2023</a:t>
             </a:fld>
             <a:endParaRPr lang="en-US"/>
           </a:p>
@@ -3943,7 +3943,7 @@
           <a:p>
             <a:fld id="{02AC24A9-CCB6-4F8D-B8DB-C2F3692CFA5A}" type="datetimeFigureOut">
               <a:rPr lang="en-US" smtClean="0"/>
-              <a:t>5/5/2023</a:t>
+              <a:t>6/21/2023</a:t>
             </a:fld>
             <a:endParaRPr lang="en-US" dirty="0"/>
           </a:p>
@@ -4420,7 +4420,7 @@
           <a:p>
             <a:fld id="{02AC24A9-CCB6-4F8D-B8DB-C2F3692CFA5A}" type="datetimeFigureOut">
               <a:rPr lang="en-US" smtClean="0"/>
-              <a:t>5/5/2023</a:t>
+              <a:t>6/21/2023</a:t>
             </a:fld>
             <a:endParaRPr lang="en-US"/>
           </a:p>
@@ -4663,7 +4663,7 @@
           <a:p>
             <a:fld id="{02AC24A9-CCB6-4F8D-B8DB-C2F3692CFA5A}" type="datetimeFigureOut">
               <a:rPr lang="en-US" smtClean="0"/>
-              <a:t>5/5/2023</a:t>
+              <a:t>6/21/2023</a:t>
             </a:fld>
             <a:endParaRPr lang="en-US"/>
           </a:p>
@@ -5287,14 +5287,20 @@
           <a:lstStyle/>
           <a:p>
             <a:r>
-              <a:rPr lang="fr-FR" sz="4800" dirty="0"/>
+              <a:rPr lang="fr-FR" sz="4800" dirty="0">
+                <a:latin typeface="Bahnschrift SemiBold" panose="020B0502040204020203" pitchFamily="34" charset="0"/>
+              </a:rPr>
               <a:t>BLOC 1</a:t>
             </a:r>
             <a:br>
-              <a:rPr lang="fr-FR" sz="4800" dirty="0"/>
+              <a:rPr lang="fr-FR" sz="4800" dirty="0">
+                <a:latin typeface="Bahnschrift SemiBold" panose="020B0502040204020203" pitchFamily="34" charset="0"/>
+              </a:rPr>
             </a:br>
             <a:r>
-              <a:rPr lang="fr-FR" sz="4800" dirty="0"/>
+              <a:rPr lang="fr-FR" sz="4800" dirty="0">
+                <a:latin typeface="Bahnschrift SemiBold" panose="020B0502040204020203" pitchFamily="34" charset="0"/>
+              </a:rPr>
               <a:t>Déroulement</a:t>
             </a:r>
           </a:p>
@@ -5329,8 +5335,10 @@
           <a:lstStyle/>
           <a:p>
             <a:r>
-              <a:rPr lang="fr-FR" sz="2000" dirty="0"/>
-              <a:t>Outils Numériques / Semestre 5 / Institut d’Optique / B1_0</a:t>
+              <a:rPr lang="fr-FR" sz="2000" dirty="0">
+                <a:latin typeface="Bahnschrift Light" panose="020B0502040204020203" pitchFamily="34" charset="0"/>
+              </a:rPr>
+              <a:t>Outils Numériques / Semestre 5 Institut d’Optique / B1_0</a:t>
             </a:r>
           </a:p>
         </p:txBody>
@@ -5699,10 +5707,10 @@
       </p:pic>
       <p:sp>
         <p:nvSpPr>
-          <p:cNvPr id="6" name="CustomShape 3">
-            <a:extLst>
-              <a:ext uri="{FF2B5EF4-FFF2-40B4-BE49-F238E27FC236}">
-                <a16:creationId xmlns:a16="http://schemas.microsoft.com/office/drawing/2014/main" id="{7E776801-EC52-B2A2-9F28-F1F9D32CF093}"/>
+          <p:cNvPr id="9" name="CustomShape 3">
+            <a:extLst>
+              <a:ext uri="{FF2B5EF4-FFF2-40B4-BE49-F238E27FC236}">
+                <a16:creationId xmlns:a16="http://schemas.microsoft.com/office/drawing/2014/main" id="{7CD7374B-ED6D-6AF2-BD0B-1717C3940DB9}"/>
               </a:ext>
             </a:extLst>
           </p:cNvPr>
@@ -5711,15 +5719,16 @@
         </p:nvSpPr>
         <p:spPr>
           <a:xfrm>
-            <a:off x="6713678" y="2440601"/>
-            <a:ext cx="4051393" cy="492443"/>
-          </a:xfrm>
-          <a:prstGeom prst="rect">
-            <a:avLst/>
-          </a:prstGeom>
-          <a:solidFill>
-            <a:schemeClr val="accent2">
-              <a:lumMod val="75000"/>
+            <a:off x="1115567" y="2440602"/>
+            <a:ext cx="4685465" cy="492443"/>
+          </a:xfrm>
+          <a:prstGeom prst="rect">
+            <a:avLst/>
+          </a:prstGeom>
+          <a:solidFill>
+            <a:schemeClr val="tx1">
+              <a:lumMod val="65000"/>
+              <a:lumOff val="35000"/>
             </a:schemeClr>
           </a:solidFill>
           <a:ln w="0">
@@ -5753,13 +5762,14 @@
               </a:tabLst>
             </a:pPr>
             <a:r>
-              <a:rPr lang="fr-FR" sz="2000" b="1" spc="-1" dirty="0">
+              <a:rPr lang="fr-FR" sz="2000" b="1" strike="noStrike" spc="-1" dirty="0">
                 <a:solidFill>
                   <a:schemeClr val="bg1"/>
                 </a:solidFill>
                 <a:latin typeface="Trebuchet MS"/>
+                <a:ea typeface="Trebuchet MS"/>
               </a:rPr>
-              <a:t>Méthodes numériques</a:t>
+              <a:t>3 blocs de 4 séances (2h/séance)</a:t>
             </a:r>
             <a:endParaRPr lang="fr-FR" sz="2000" b="0" strike="noStrike" spc="-1" dirty="0">
               <a:solidFill>
@@ -5772,10 +5782,10 @@
       </p:sp>
       <p:sp>
         <p:nvSpPr>
-          <p:cNvPr id="7" name="CustomShape 23">
-            <a:extLst>
-              <a:ext uri="{FF2B5EF4-FFF2-40B4-BE49-F238E27FC236}">
-                <a16:creationId xmlns:a16="http://schemas.microsoft.com/office/drawing/2014/main" id="{960E6FB9-1A0E-CC22-03F8-5EEA6C13547A}"/>
+          <p:cNvPr id="10" name="CustomShape 3">
+            <a:extLst>
+              <a:ext uri="{FF2B5EF4-FFF2-40B4-BE49-F238E27FC236}">
+                <a16:creationId xmlns:a16="http://schemas.microsoft.com/office/drawing/2014/main" id="{C430E7A6-8A93-686A-7C4E-ED51D2B4CA5C}"/>
               </a:ext>
             </a:extLst>
           </p:cNvPr>
@@ -5784,16 +5794,16 @@
         </p:nvSpPr>
         <p:spPr>
           <a:xfrm>
-            <a:off x="6713678" y="3782746"/>
-            <a:ext cx="4051393" cy="492443"/>
-          </a:xfrm>
-          <a:prstGeom prst="rect">
-            <a:avLst/>
-          </a:prstGeom>
-          <a:solidFill>
-            <a:schemeClr val="accent2">
-              <a:lumMod val="60000"/>
-              <a:lumOff val="40000"/>
+            <a:off x="1115567" y="4503069"/>
+            <a:ext cx="4685465" cy="492443"/>
+          </a:xfrm>
+          <a:prstGeom prst="rect">
+            <a:avLst/>
+          </a:prstGeom>
+          <a:solidFill>
+            <a:schemeClr val="tx1">
+              <a:lumMod val="50000"/>
+              <a:lumOff val="50000"/>
             </a:schemeClr>
           </a:solidFill>
           <a:ln w="0">
@@ -5829,14 +5839,17 @@
             <a:r>
               <a:rPr lang="fr-FR" sz="2000" b="1" strike="noStrike" spc="-1" dirty="0">
                 <a:solidFill>
-                  <a:srgbClr val="666666"/>
+                  <a:schemeClr val="bg1"/>
                 </a:solidFill>
                 <a:latin typeface="Trebuchet MS"/>
                 <a:ea typeface="Trebuchet MS"/>
               </a:rPr>
-              <a:t>Traitement de données 1D</a:t>
+              <a:t>Déroulement de chaque bloc</a:t>
             </a:r>
             <a:endParaRPr lang="fr-FR" sz="2000" b="0" strike="noStrike" spc="-1" dirty="0">
+              <a:solidFill>
+                <a:schemeClr val="bg1"/>
+              </a:solidFill>
               <a:latin typeface="Arial"/>
             </a:endParaRPr>
           </a:p>
@@ -5844,10 +5857,63 @@
       </p:sp>
       <p:sp>
         <p:nvSpPr>
-          <p:cNvPr id="8" name="CustomShape 24">
-            <a:extLst>
-              <a:ext uri="{FF2B5EF4-FFF2-40B4-BE49-F238E27FC236}">
-                <a16:creationId xmlns:a16="http://schemas.microsoft.com/office/drawing/2014/main" id="{9CF220BA-6890-70F8-4D22-63D468AB6191}"/>
+          <p:cNvPr id="12" name="ZoneTexte 11">
+            <a:extLst>
+              <a:ext uri="{FF2B5EF4-FFF2-40B4-BE49-F238E27FC236}">
+                <a16:creationId xmlns:a16="http://schemas.microsoft.com/office/drawing/2014/main" id="{BBED6A26-211D-7C76-4C1A-96E6D0EC3C39}"/>
+              </a:ext>
+            </a:extLst>
+          </p:cNvPr>
+          <p:cNvSpPr txBox="1"/>
+          <p:nvPr/>
+        </p:nvSpPr>
+        <p:spPr>
+          <a:xfrm>
+            <a:off x="2028213" y="5064204"/>
+            <a:ext cx="3775587" cy="1107996"/>
+          </a:xfrm>
+          <a:prstGeom prst="rect">
+            <a:avLst/>
+          </a:prstGeom>
+          <a:noFill/>
+        </p:spPr>
+        <p:txBody>
+          <a:bodyPr wrap="square">
+            <a:spAutoFit/>
+          </a:bodyPr>
+          <a:lstStyle/>
+          <a:p>
+            <a:r>
+              <a:rPr lang="fr-FR" sz="1600" dirty="0"/>
+              <a:t>Séance 1 : problématique</a:t>
+            </a:r>
+          </a:p>
+          <a:p>
+            <a:r>
+              <a:rPr lang="fr-FR" sz="1600" dirty="0"/>
+              <a:t>Séance 2 : mise en œuvre numérique</a:t>
+            </a:r>
+          </a:p>
+          <a:p>
+            <a:r>
+              <a:rPr lang="fr-FR" sz="1600" dirty="0"/>
+              <a:t>Séance 3 : mise en forme des résultats</a:t>
+            </a:r>
+          </a:p>
+          <a:p>
+            <a:r>
+              <a:rPr lang="fr-FR" sz="1600" dirty="0"/>
+              <a:t>Séance 4 : synthèse</a:t>
+            </a:r>
+          </a:p>
+        </p:txBody>
+      </p:sp>
+      <p:sp>
+        <p:nvSpPr>
+          <p:cNvPr id="4" name="CustomShape 3">
+            <a:extLst>
+              <a:ext uri="{FF2B5EF4-FFF2-40B4-BE49-F238E27FC236}">
+                <a16:creationId xmlns:a16="http://schemas.microsoft.com/office/drawing/2014/main" id="{9931B2EB-3409-2DB7-FCE7-EF1A235674DF}"/>
               </a:ext>
             </a:extLst>
           </p:cNvPr>
@@ -5856,7 +5922,7 @@
         </p:nvSpPr>
         <p:spPr>
           <a:xfrm>
-            <a:off x="6713678" y="5177502"/>
+            <a:off x="6713678" y="2440601"/>
             <a:ext cx="4051393" cy="492443"/>
           </a:xfrm>
           <a:prstGeom prst="rect">
@@ -5864,8 +5930,7 @@
           </a:prstGeom>
           <a:solidFill>
             <a:schemeClr val="accent2">
-              <a:lumMod val="40000"/>
-              <a:lumOff val="60000"/>
+              <a:lumMod val="75000"/>
             </a:schemeClr>
           </a:solidFill>
           <a:ln w="0">
@@ -5899,16 +5964,18 @@
               </a:tabLst>
             </a:pPr>
             <a:r>
-              <a:rPr lang="fr-FR" sz="2000" b="1" strike="noStrike" spc="-1" dirty="0">
+              <a:rPr lang="fr-FR" sz="2000" b="1" spc="-1" dirty="0">
                 <a:solidFill>
-                  <a:srgbClr val="666666"/>
+                  <a:schemeClr val="bg1"/>
                 </a:solidFill>
                 <a:latin typeface="Trebuchet MS"/>
-                <a:ea typeface="Trebuchet MS"/>
               </a:rPr>
-              <a:t>Traitement de données 2D</a:t>
+              <a:t>Méthodes numériques</a:t>
             </a:r>
             <a:endParaRPr lang="fr-FR" sz="2000" b="0" strike="noStrike" spc="-1" dirty="0">
+              <a:solidFill>
+                <a:schemeClr val="bg1"/>
+              </a:solidFill>
               <a:latin typeface="Arial"/>
             </a:endParaRPr>
           </a:p>
@@ -5916,10 +5983,10 @@
       </p:sp>
       <p:sp>
         <p:nvSpPr>
-          <p:cNvPr id="9" name="CustomShape 3">
-            <a:extLst>
-              <a:ext uri="{FF2B5EF4-FFF2-40B4-BE49-F238E27FC236}">
-                <a16:creationId xmlns:a16="http://schemas.microsoft.com/office/drawing/2014/main" id="{7CD7374B-ED6D-6AF2-BD0B-1717C3940DB9}"/>
+          <p:cNvPr id="11" name="CustomShape 23">
+            <a:extLst>
+              <a:ext uri="{FF2B5EF4-FFF2-40B4-BE49-F238E27FC236}">
+                <a16:creationId xmlns:a16="http://schemas.microsoft.com/office/drawing/2014/main" id="{AEFD5DA6-7C14-AAC5-87EB-F78CFD833F72}"/>
               </a:ext>
             </a:extLst>
           </p:cNvPr>
@@ -5928,16 +5995,16 @@
         </p:nvSpPr>
         <p:spPr>
           <a:xfrm>
-            <a:off x="1115567" y="2440602"/>
-            <a:ext cx="4685465" cy="492443"/>
-          </a:xfrm>
-          <a:prstGeom prst="rect">
-            <a:avLst/>
-          </a:prstGeom>
-          <a:solidFill>
-            <a:schemeClr val="tx1">
-              <a:lumMod val="65000"/>
-              <a:lumOff val="35000"/>
+            <a:off x="6713678" y="3782746"/>
+            <a:ext cx="4051393" cy="492443"/>
+          </a:xfrm>
+          <a:prstGeom prst="rect">
+            <a:avLst/>
+          </a:prstGeom>
+          <a:solidFill>
+            <a:schemeClr val="accent2">
+              <a:lumMod val="60000"/>
+              <a:lumOff val="40000"/>
             </a:schemeClr>
           </a:solidFill>
           <a:ln w="0">
@@ -5973,17 +6040,14 @@
             <a:r>
               <a:rPr lang="fr-FR" sz="2000" b="1" strike="noStrike" spc="-1" dirty="0">
                 <a:solidFill>
-                  <a:schemeClr val="bg1"/>
+                  <a:srgbClr val="666666"/>
                 </a:solidFill>
                 <a:latin typeface="Trebuchet MS"/>
                 <a:ea typeface="Trebuchet MS"/>
               </a:rPr>
-              <a:t>3 blocs de 4 séances (2h/séance)</a:t>
+              <a:t>Traitement de données 2D</a:t>
             </a:r>
             <a:endParaRPr lang="fr-FR" sz="2000" b="0" strike="noStrike" spc="-1" dirty="0">
-              <a:solidFill>
-                <a:schemeClr val="bg1"/>
-              </a:solidFill>
               <a:latin typeface="Arial"/>
             </a:endParaRPr>
           </a:p>
@@ -5991,10 +6055,10 @@
       </p:sp>
       <p:sp>
         <p:nvSpPr>
-          <p:cNvPr id="10" name="CustomShape 3">
-            <a:extLst>
-              <a:ext uri="{FF2B5EF4-FFF2-40B4-BE49-F238E27FC236}">
-                <a16:creationId xmlns:a16="http://schemas.microsoft.com/office/drawing/2014/main" id="{C430E7A6-8A93-686A-7C4E-ED51D2B4CA5C}"/>
+          <p:cNvPr id="16" name="CustomShape 24">
+            <a:extLst>
+              <a:ext uri="{FF2B5EF4-FFF2-40B4-BE49-F238E27FC236}">
+                <a16:creationId xmlns:a16="http://schemas.microsoft.com/office/drawing/2014/main" id="{6439AD4C-F863-F8DB-9758-006AED1D1375}"/>
               </a:ext>
             </a:extLst>
           </p:cNvPr>
@@ -6003,16 +6067,16 @@
         </p:nvSpPr>
         <p:spPr>
           <a:xfrm>
-            <a:off x="1115567" y="4503069"/>
-            <a:ext cx="4685465" cy="492443"/>
-          </a:xfrm>
-          <a:prstGeom prst="rect">
-            <a:avLst/>
-          </a:prstGeom>
-          <a:solidFill>
-            <a:schemeClr val="tx1">
-              <a:lumMod val="50000"/>
-              <a:lumOff val="50000"/>
+            <a:off x="6713678" y="5177502"/>
+            <a:ext cx="4051393" cy="492443"/>
+          </a:xfrm>
+          <a:prstGeom prst="rect">
+            <a:avLst/>
+          </a:prstGeom>
+          <a:solidFill>
+            <a:schemeClr val="accent2">
+              <a:lumMod val="40000"/>
+              <a:lumOff val="60000"/>
             </a:schemeClr>
           </a:solidFill>
           <a:ln w="0">
@@ -6048,17 +6112,14 @@
             <a:r>
               <a:rPr lang="fr-FR" sz="2000" b="1" strike="noStrike" spc="-1" dirty="0">
                 <a:solidFill>
-                  <a:schemeClr val="bg1"/>
+                  <a:srgbClr val="666666"/>
                 </a:solidFill>
                 <a:latin typeface="Trebuchet MS"/>
                 <a:ea typeface="Trebuchet MS"/>
               </a:rPr>
-              <a:t>Déroulement de chaque bloc</a:t>
+              <a:t>Traitement de données 1D</a:t>
             </a:r>
             <a:endParaRPr lang="fr-FR" sz="2000" b="0" strike="noStrike" spc="-1" dirty="0">
-              <a:solidFill>
-                <a:schemeClr val="bg1"/>
-              </a:solidFill>
               <a:latin typeface="Arial"/>
             </a:endParaRPr>
           </a:p>
@@ -6066,10 +6127,10 @@
       </p:sp>
       <p:sp>
         <p:nvSpPr>
-          <p:cNvPr id="12" name="ZoneTexte 11">
-            <a:extLst>
-              <a:ext uri="{FF2B5EF4-FFF2-40B4-BE49-F238E27FC236}">
-                <a16:creationId xmlns:a16="http://schemas.microsoft.com/office/drawing/2014/main" id="{BBED6A26-211D-7C76-4C1A-96E6D0EC3C39}"/>
+          <p:cNvPr id="17" name="ZoneTexte 16">
+            <a:extLst>
+              <a:ext uri="{FF2B5EF4-FFF2-40B4-BE49-F238E27FC236}">
+                <a16:creationId xmlns:a16="http://schemas.microsoft.com/office/drawing/2014/main" id="{54613D51-1D02-6548-375D-F64A5B9DBBFB}"/>
               </a:ext>
             </a:extLst>
           </p:cNvPr>
@@ -6078,8 +6139,8 @@
         </p:nvSpPr>
         <p:spPr>
           <a:xfrm>
-            <a:off x="2028213" y="5064204"/>
-            <a:ext cx="3775587" cy="1107996"/>
+            <a:off x="7300846" y="2933044"/>
+            <a:ext cx="3464226" cy="584775"/>
           </a:xfrm>
           <a:prstGeom prst="rect">
             <a:avLst/>
@@ -6094,35 +6155,27 @@
           <a:p>
             <a:r>
               <a:rPr lang="fr-FR" sz="1600" dirty="0"/>
-              <a:t>Séance 1 : problématique</a:t>
-            </a:r>
-          </a:p>
-          <a:p>
+              <a:t>Intro / Langage haut niveau</a:t>
+            </a:r>
+          </a:p>
+          <a:p>
+            <a:r>
+              <a:rPr lang="fr-FR" sz="1600" b="1" i="1" dirty="0"/>
+              <a:t>Problème 1</a:t>
+            </a:r>
             <a:r>
               <a:rPr lang="fr-FR" sz="1600" dirty="0"/>
-              <a:t>Séance 2 : mise en œuvre numérique</a:t>
-            </a:r>
-          </a:p>
-          <a:p>
-            <a:r>
-              <a:rPr lang="fr-FR" sz="1600" dirty="0"/>
-              <a:t>Séance 3 : mise en forme des résultats</a:t>
-            </a:r>
-          </a:p>
-          <a:p>
-            <a:r>
-              <a:rPr lang="fr-FR" sz="1600" dirty="0"/>
-              <a:t>Séance 4 : synthèse</a:t>
-            </a:r>
-          </a:p>
-        </p:txBody>
-      </p:sp>
-      <p:sp>
-        <p:nvSpPr>
-          <p:cNvPr id="13" name="ZoneTexte 12">
-            <a:extLst>
-              <a:ext uri="{FF2B5EF4-FFF2-40B4-BE49-F238E27FC236}">
-                <a16:creationId xmlns:a16="http://schemas.microsoft.com/office/drawing/2014/main" id="{3B6940C1-34CE-FA02-B213-6A52C2290983}"/>
+              <a:t> : circuit RC</a:t>
+            </a:r>
+          </a:p>
+        </p:txBody>
+      </p:sp>
+      <p:sp>
+        <p:nvSpPr>
+          <p:cNvPr id="18" name="ZoneTexte 17">
+            <a:extLst>
+              <a:ext uri="{FF2B5EF4-FFF2-40B4-BE49-F238E27FC236}">
+                <a16:creationId xmlns:a16="http://schemas.microsoft.com/office/drawing/2014/main" id="{7EA4DDD2-BA76-F3EB-17C6-B1E53A1C3E69}"/>
               </a:ext>
             </a:extLst>
           </p:cNvPr>
@@ -6131,8 +6184,8 @@
         </p:nvSpPr>
         <p:spPr>
           <a:xfrm>
-            <a:off x="7300846" y="2933044"/>
-            <a:ext cx="3464226" cy="584775"/>
+            <a:off x="7300845" y="4275189"/>
+            <a:ext cx="3464226" cy="830997"/>
           </a:xfrm>
           <a:prstGeom prst="rect">
             <a:avLst/>
@@ -6146,28 +6199,22 @@
           <a:lstStyle/>
           <a:p>
             <a:r>
+              <a:rPr lang="fr-FR" sz="1600" b="1" i="1" dirty="0"/>
+              <a:t>Problème 2</a:t>
+            </a:r>
+            <a:r>
               <a:rPr lang="fr-FR" sz="1600" dirty="0"/>
-              <a:t>Intro / Langage haut niveau</a:t>
-            </a:r>
-          </a:p>
-          <a:p>
-            <a:r>
-              <a:rPr lang="fr-FR" sz="1600" b="1" i="1" dirty="0"/>
-              <a:t>Problème 1</a:t>
-            </a:r>
-            <a:r>
-              <a:rPr lang="fr-FR" sz="1600" dirty="0"/>
-              <a:t> : circuit RC</a:t>
-            </a:r>
-          </a:p>
-        </p:txBody>
-      </p:sp>
-      <p:sp>
-        <p:nvSpPr>
-          <p:cNvPr id="14" name="ZoneTexte 13">
-            <a:extLst>
-              <a:ext uri="{FF2B5EF4-FFF2-40B4-BE49-F238E27FC236}">
-                <a16:creationId xmlns:a16="http://schemas.microsoft.com/office/drawing/2014/main" id="{4DD1495A-CB91-7639-CC40-F9C70B8E8173}"/>
+              <a:t> : images d’un faisceau LASER en différents points d’un chemin optique</a:t>
+            </a:r>
+          </a:p>
+        </p:txBody>
+      </p:sp>
+      <p:sp>
+        <p:nvSpPr>
+          <p:cNvPr id="19" name="ZoneTexte 18">
+            <a:extLst>
+              <a:ext uri="{FF2B5EF4-FFF2-40B4-BE49-F238E27FC236}">
+                <a16:creationId xmlns:a16="http://schemas.microsoft.com/office/drawing/2014/main" id="{2926E4F7-934C-0743-8197-844325CE0DF8}"/>
               </a:ext>
             </a:extLst>
           </p:cNvPr>
@@ -6176,7 +6223,7 @@
         </p:nvSpPr>
         <p:spPr>
           <a:xfrm>
-            <a:off x="7300845" y="4275189"/>
+            <a:off x="7300845" y="5669945"/>
             <a:ext cx="3464226" cy="584775"/>
           </a:xfrm>
           <a:prstGeom prst="rect">
@@ -6192,50 +6239,11 @@
           <a:p>
             <a:r>
               <a:rPr lang="fr-FR" sz="1600" b="1" i="1" dirty="0"/>
-              <a:t>Problème 2</a:t>
+              <a:t>Problème 3</a:t>
             </a:r>
             <a:r>
               <a:rPr lang="fr-FR" sz="1600" dirty="0"/>
               <a:t> : signal modulé en amplitude / acquisition numérique</a:t>
-            </a:r>
-          </a:p>
-        </p:txBody>
-      </p:sp>
-      <p:sp>
-        <p:nvSpPr>
-          <p:cNvPr id="15" name="ZoneTexte 14">
-            <a:extLst>
-              <a:ext uri="{FF2B5EF4-FFF2-40B4-BE49-F238E27FC236}">
-                <a16:creationId xmlns:a16="http://schemas.microsoft.com/office/drawing/2014/main" id="{269155A6-9FEB-D196-579E-5CDBB2301800}"/>
-              </a:ext>
-            </a:extLst>
-          </p:cNvPr>
-          <p:cNvSpPr txBox="1"/>
-          <p:nvPr/>
-        </p:nvSpPr>
-        <p:spPr>
-          <a:xfrm>
-            <a:off x="7300845" y="5669945"/>
-            <a:ext cx="3464226" cy="830997"/>
-          </a:xfrm>
-          <a:prstGeom prst="rect">
-            <a:avLst/>
-          </a:prstGeom>
-          <a:noFill/>
-        </p:spPr>
-        <p:txBody>
-          <a:bodyPr wrap="square">
-            <a:spAutoFit/>
-          </a:bodyPr>
-          <a:lstStyle/>
-          <a:p>
-            <a:r>
-              <a:rPr lang="fr-FR" sz="1600" b="1" i="1" dirty="0"/>
-              <a:t>Problème 3</a:t>
-            </a:r>
-            <a:r>
-              <a:rPr lang="fr-FR" sz="1600" dirty="0"/>
-              <a:t> : images d’un faisceau LASER en différents points d’un chemin optique</a:t>
             </a:r>
           </a:p>
         </p:txBody>
